--- a/slides/proved_learning.pptx
+++ b/slides/proved_learning.pptx
@@ -6661,7 +6661,7 @@
           <a:noFill/>
           <a:ln w="38100" cmpd="sng">
             <a:solidFill>
-              <a:schemeClr val="accent5"/>
+              <a:srgbClr val="008000"/>
             </a:solidFill>
           </a:ln>
         </p:spPr>
@@ -6705,7 +6705,7 @@
           <a:noFill/>
           <a:ln w="38100" cmpd="sng">
             <a:solidFill>
-              <a:schemeClr val="accent5"/>
+              <a:srgbClr val="008000"/>
             </a:solidFill>
           </a:ln>
         </p:spPr>
@@ -6749,7 +6749,7 @@
           <a:noFill/>
           <a:ln w="38100" cmpd="sng">
             <a:solidFill>
-              <a:schemeClr val="accent5"/>
+              <a:srgbClr val="008000"/>
             </a:solidFill>
           </a:ln>
         </p:spPr>
@@ -8123,7 +8123,7 @@
           <a:noFill/>
           <a:ln w="38100" cmpd="sng">
             <a:solidFill>
-              <a:schemeClr val="accent5"/>
+              <a:srgbClr val="008000"/>
             </a:solidFill>
           </a:ln>
         </p:spPr>
@@ -8839,7 +8839,7 @@
           <a:noFill/>
           <a:ln w="38100" cmpd="sng">
             <a:solidFill>
-              <a:schemeClr val="accent5"/>
+              <a:srgbClr val="008000"/>
             </a:solidFill>
           </a:ln>
         </p:spPr>
@@ -9555,7 +9555,7 @@
           <a:noFill/>
           <a:ln w="38100" cmpd="sng">
             <a:solidFill>
-              <a:schemeClr val="accent5"/>
+              <a:srgbClr val="008000"/>
             </a:solidFill>
           </a:ln>
         </p:spPr>
@@ -10183,7 +10183,7 @@
           <a:noFill/>
           <a:ln w="38100" cmpd="sng">
             <a:solidFill>
-              <a:schemeClr val="accent5"/>
+              <a:srgbClr val="008000"/>
             </a:solidFill>
           </a:ln>
         </p:spPr>
@@ -10802,7 +10802,7 @@
         </p:nvSpPr>
         <p:spPr>
           <a:xfrm>
-            <a:off x="6442995" y="4546154"/>
+            <a:off x="6442995" y="4496838"/>
             <a:ext cx="331908" cy="369331"/>
           </a:xfrm>
           <a:prstGeom prst="ellipse">
@@ -10811,7 +10811,7 @@
           <a:noFill/>
           <a:ln w="38100" cmpd="sng">
             <a:solidFill>
-              <a:schemeClr val="accent5"/>
+              <a:srgbClr val="008000"/>
             </a:solidFill>
           </a:ln>
         </p:spPr>
@@ -13234,8 +13234,8 @@
               <a:t>Long Term </a:t>
             </a:r>
             <a:r>
-              <a:rPr lang="en-US" dirty="0" err="1" smtClean="0"/>
-              <a:t>Depdendency</a:t>
+              <a:rPr lang="en-US" dirty="0" smtClean="0"/>
+              <a:t>Dependency</a:t>
             </a:r>
             <a:endParaRPr lang="en-US" dirty="0"/>
           </a:p>
@@ -14159,7 +14159,7 @@
         </p:nvSpPr>
         <p:spPr>
           <a:xfrm>
-            <a:off x="7537743" y="4047327"/>
+            <a:off x="7537743" y="4034998"/>
             <a:ext cx="331908" cy="369331"/>
           </a:xfrm>
           <a:prstGeom prst="ellipse">
@@ -14168,7 +14168,7 @@
           <a:noFill/>
           <a:ln w="38100" cmpd="sng">
             <a:solidFill>
-              <a:schemeClr val="accent5"/>
+              <a:srgbClr val="008000"/>
             </a:solidFill>
           </a:ln>
         </p:spPr>
@@ -14212,7 +14212,7 @@
           <a:noFill/>
           <a:ln w="38100" cmpd="sng">
             <a:solidFill>
-              <a:schemeClr val="accent5"/>
+              <a:srgbClr val="008000"/>
             </a:solidFill>
           </a:ln>
         </p:spPr>
@@ -14256,7 +14256,7 @@
           <a:noFill/>
           <a:ln w="38100" cmpd="sng">
             <a:solidFill>
-              <a:schemeClr val="accent5"/>
+              <a:srgbClr val="008000"/>
             </a:solidFill>
           </a:ln>
         </p:spPr>
@@ -15586,7 +15586,7 @@
           <a:noFill/>
           <a:ln w="38100" cmpd="sng">
             <a:solidFill>
-              <a:schemeClr val="accent5"/>
+              <a:srgbClr val="008000"/>
             </a:solidFill>
           </a:ln>
         </p:spPr>
@@ -16258,7 +16258,7 @@
           <a:noFill/>
           <a:ln w="38100" cmpd="sng">
             <a:solidFill>
-              <a:schemeClr val="accent5"/>
+              <a:srgbClr val="008000"/>
             </a:solidFill>
           </a:ln>
         </p:spPr>
@@ -17558,7 +17558,7 @@
           <a:noFill/>
           <a:ln w="38100" cmpd="sng">
             <a:solidFill>
-              <a:schemeClr val="accent5"/>
+              <a:srgbClr val="008000"/>
             </a:solidFill>
           </a:ln>
         </p:spPr>
@@ -18186,7 +18186,7 @@
           <a:noFill/>
           <a:ln w="38100" cmpd="sng">
             <a:solidFill>
-              <a:schemeClr val="accent5"/>
+              <a:srgbClr val="008000"/>
             </a:solidFill>
           </a:ln>
         </p:spPr>
